--- a/W08 Use Case Diagram.pptx
+++ b/W08 Use Case Diagram.pptx
@@ -1,6 +1,6 @@
 
 <file path=ppt/presentation.xml><?xml version="1.0" encoding="utf-8"?>
-<p:presentation xmlns:a="http://schemas.openxmlformats.org/drawingml/2006/main" xmlns:r="http://schemas.openxmlformats.org/officeDocument/2006/relationships" xmlns:p="http://schemas.openxmlformats.org/presentationml/2006/main" saveSubsetFonts="1">
+<p:presentation xmlns:a="http://schemas.openxmlformats.org/drawingml/2006/main" xmlns:r="http://schemas.openxmlformats.org/officeDocument/2006/relationships" xmlns:p="http://schemas.openxmlformats.org/presentationml/2006/main" removePersonalInfoOnSave="1" saveSubsetFonts="1">
   <p:sldMasterIdLst>
     <p:sldMasterId id="2147483660" r:id="rId1"/>
   </p:sldMasterIdLst>
@@ -5163,204 +5163,146 @@
           </a:p>
         </p:txBody>
       </p:sp>
-      <p:graphicFrame>
-        <p:nvGraphicFramePr>
-          <p:cNvPr id="2051" name="Object 3"/>
-          <p:cNvGraphicFramePr>
-            <a:graphicFrameLocks noChangeAspect="1"/>
-          </p:cNvGraphicFramePr>
-          <p:nvPr>
-            <p:extLst>
-              <p:ext uri="{D42A27DB-BD31-4B8C-83A1-F6EECF244321}">
-                <p14:modId xmlns:p14="http://schemas.microsoft.com/office/powerpoint/2010/main" val="4168501612"/>
-              </p:ext>
-            </p:extLst>
-          </p:nvPr>
-        </p:nvGraphicFramePr>
-        <p:xfrm>
-          <a:off x="3738547" y="2000240"/>
-          <a:ext cx="1643075" cy="857256"/>
-        </p:xfrm>
-        <a:graphic>
-          <a:graphicData uri="http://schemas.openxmlformats.org/presentationml/2006/ole">
-            <mc:AlternateContent xmlns:mc="http://schemas.openxmlformats.org/markup-compatibility/2006">
-              <mc:Choice xmlns:v="urn:schemas-microsoft-com:vml" Requires="v">
-                <p:oleObj spid="_x0000_s2077" name="Visio" r:id="rId3" imgW="766316" imgH="400411" progId="Visio.Drawing.11">
-                  <p:link updateAutomatic="1"/>
-                </p:oleObj>
-              </mc:Choice>
-              <mc:Fallback>
-                <p:oleObj name="Visio" r:id="rId3" imgW="766316" imgH="400411" progId="Visio.Drawing.11">
-                  <p:link updateAutomatic="1"/>
-                  <p:pic>
-                    <p:nvPicPr>
-                      <p:cNvPr id="0" name="Picture 3"/>
-                      <p:cNvPicPr>
-                        <a:picLocks noChangeAspect="1" noChangeArrowheads="1"/>
-                      </p:cNvPicPr>
-                      <p:nvPr/>
-                    </p:nvPicPr>
-                    <p:blipFill>
-                      <a:blip r:embed="rId4">
-                        <a:extLst>
-                          <a:ext uri="{28A0092B-C50C-407E-A947-70E740481C1C}">
-                            <a14:useLocalDpi xmlns:a14="http://schemas.microsoft.com/office/drawing/2010/main" val="0"/>
-                          </a:ext>
-                        </a:extLst>
-                      </a:blip>
-                      <a:srcRect/>
-                      <a:stretch>
-                        <a:fillRect/>
-                      </a:stretch>
-                    </p:blipFill>
-                    <p:spPr bwMode="auto">
-                      <a:xfrm>
-                        <a:off x="3738547" y="2000240"/>
-                        <a:ext cx="1643075" cy="857256"/>
-                      </a:xfrm>
-                      <a:prstGeom prst="rect">
-                        <a:avLst/>
-                      </a:prstGeom>
-                      <a:noFill/>
-                      <a:ln>
-                        <a:noFill/>
-                      </a:ln>
-                      <a:effectLst/>
-                      <a:extLst>
-                        <a:ext uri="{909E8E84-426E-40DD-AFC4-6F175D3DCCD1}">
-                          <a14:hiddenFill xmlns:a14="http://schemas.microsoft.com/office/drawing/2010/main">
-                            <a:solidFill>
-                              <a:schemeClr val="accent1"/>
-                            </a:solidFill>
-                          </a14:hiddenFill>
-                        </a:ext>
-                        <a:ext uri="{91240B29-F687-4F45-9708-019B960494DF}">
-                          <a14:hiddenLine xmlns:a14="http://schemas.microsoft.com/office/drawing/2010/main" w="9525">
-                            <a:solidFill>
-                              <a:schemeClr val="tx1"/>
-                            </a:solidFill>
-                            <a:miter lim="800000"/>
-                            <a:headEnd/>
-                            <a:tailEnd/>
-                          </a14:hiddenLine>
-                        </a:ext>
-                        <a:ext uri="{AF507438-7753-43E0-B8FC-AC1667EBCBE1}">
-                          <a14:hiddenEffects xmlns:a14="http://schemas.microsoft.com/office/drawing/2010/main">
-                            <a:effectLst>
-                              <a:outerShdw dist="35921" dir="2700000" algn="ctr" rotWithShape="0">
-                                <a:schemeClr val="bg2"/>
-                              </a:outerShdw>
-                            </a:effectLst>
-                          </a14:hiddenEffects>
-                        </a:ext>
-                      </a:extLst>
-                    </p:spPr>
-                  </p:pic>
-                </p:oleObj>
-              </mc:Fallback>
-            </mc:AlternateContent>
-          </a:graphicData>
-        </a:graphic>
-      </p:graphicFrame>
-      <p:graphicFrame>
-        <p:nvGraphicFramePr>
-          <p:cNvPr id="2052" name="Object 4"/>
-          <p:cNvGraphicFramePr>
-            <a:graphicFrameLocks noChangeAspect="1"/>
-          </p:cNvGraphicFramePr>
-          <p:nvPr>
-            <p:extLst>
-              <p:ext uri="{D42A27DB-BD31-4B8C-83A1-F6EECF244321}">
-                <p14:modId xmlns:p14="http://schemas.microsoft.com/office/powerpoint/2010/main" val="2602313669"/>
-              </p:ext>
-            </p:extLst>
-          </p:nvPr>
-        </p:nvGraphicFramePr>
-        <p:xfrm>
-          <a:off x="3952860" y="3929067"/>
-          <a:ext cx="571504" cy="1747803"/>
-        </p:xfrm>
-        <a:graphic>
-          <a:graphicData uri="http://schemas.openxmlformats.org/presentationml/2006/ole">
-            <mc:AlternateContent xmlns:mc="http://schemas.openxmlformats.org/markup-compatibility/2006">
-              <mc:Choice xmlns:v="urn:schemas-microsoft-com:vml" Requires="v">
-                <p:oleObj spid="_x0000_s2078" name="Visio" r:id="rId5" imgW="326379" imgH="999947" progId="Visio.Drawing.11">
-                  <p:link updateAutomatic="1"/>
-                </p:oleObj>
-              </mc:Choice>
-              <mc:Fallback>
-                <p:oleObj name="Visio" r:id="rId5" imgW="326379" imgH="999947" progId="Visio.Drawing.11">
-                  <p:link updateAutomatic="1"/>
-                  <p:pic>
-                    <p:nvPicPr>
-                      <p:cNvPr id="0" name="Picture 4"/>
-                      <p:cNvPicPr>
-                        <a:picLocks noChangeAspect="1" noChangeArrowheads="1"/>
-                      </p:cNvPicPr>
-                      <p:nvPr/>
-                    </p:nvPicPr>
-                    <p:blipFill>
-                      <a:blip r:embed="rId6">
-                        <a:extLst>
-                          <a:ext uri="{28A0092B-C50C-407E-A947-70E740481C1C}">
-                            <a14:useLocalDpi xmlns:a14="http://schemas.microsoft.com/office/drawing/2010/main" val="0"/>
-                          </a:ext>
-                        </a:extLst>
-                      </a:blip>
-                      <a:srcRect/>
-                      <a:stretch>
-                        <a:fillRect/>
-                      </a:stretch>
-                    </p:blipFill>
-                    <p:spPr bwMode="auto">
-                      <a:xfrm>
-                        <a:off x="3952860" y="3929067"/>
-                        <a:ext cx="571504" cy="1747803"/>
-                      </a:xfrm>
-                      <a:prstGeom prst="rect">
-                        <a:avLst/>
-                      </a:prstGeom>
-                      <a:noFill/>
-                      <a:ln>
-                        <a:noFill/>
-                      </a:ln>
-                      <a:effectLst/>
-                      <a:extLst>
-                        <a:ext uri="{909E8E84-426E-40DD-AFC4-6F175D3DCCD1}">
-                          <a14:hiddenFill xmlns:a14="http://schemas.microsoft.com/office/drawing/2010/main">
-                            <a:solidFill>
-                              <a:schemeClr val="accent1"/>
-                            </a:solidFill>
-                          </a14:hiddenFill>
-                        </a:ext>
-                        <a:ext uri="{91240B29-F687-4F45-9708-019B960494DF}">
-                          <a14:hiddenLine xmlns:a14="http://schemas.microsoft.com/office/drawing/2010/main" w="9525">
-                            <a:solidFill>
-                              <a:schemeClr val="tx1"/>
-                            </a:solidFill>
-                            <a:miter lim="800000"/>
-                            <a:headEnd/>
-                            <a:tailEnd/>
-                          </a14:hiddenLine>
-                        </a:ext>
-                        <a:ext uri="{AF507438-7753-43E0-B8FC-AC1667EBCBE1}">
-                          <a14:hiddenEffects xmlns:a14="http://schemas.microsoft.com/office/drawing/2010/main">
-                            <a:effectLst>
-                              <a:outerShdw dist="35921" dir="2700000" algn="ctr" rotWithShape="0">
-                                <a:schemeClr val="bg2"/>
-                              </a:outerShdw>
-                            </a:effectLst>
-                          </a14:hiddenEffects>
-                        </a:ext>
-                      </a:extLst>
-                    </p:spPr>
-                  </p:pic>
-                </p:oleObj>
-              </mc:Fallback>
-            </mc:AlternateContent>
-          </a:graphicData>
-        </a:graphic>
-      </p:graphicFrame>
+      <p:pic>
+        <p:nvPicPr>
+          <p:cNvPr id="4" name="Picture 3">
+            <a:extLst>
+              <a:ext uri="{FF2B5EF4-FFF2-40B4-BE49-F238E27FC236}">
+                <a16:creationId xmlns:a16="http://schemas.microsoft.com/office/drawing/2014/main" id="{765D0698-EDFD-48CC-A061-C1E17CA0DCE5}"/>
+              </a:ext>
+            </a:extLst>
+          </p:cNvPr>
+          <p:cNvPicPr>
+            <a:picLocks noChangeAspect="1" noChangeArrowheads="1"/>
+          </p:cNvPicPr>
+          <p:nvPr/>
+        </p:nvPicPr>
+        <p:blipFill>
+          <a:blip r:embed="rId2">
+            <a:extLst>
+              <a:ext uri="{28A0092B-C50C-407E-A947-70E740481C1C}">
+                <a14:useLocalDpi xmlns:a14="http://schemas.microsoft.com/office/drawing/2010/main" val="0"/>
+              </a:ext>
+            </a:extLst>
+          </a:blip>
+          <a:srcRect/>
+          <a:stretch>
+            <a:fillRect/>
+          </a:stretch>
+        </p:blipFill>
+        <p:spPr bwMode="auto">
+          <a:xfrm>
+            <a:off x="3738547" y="2000240"/>
+            <a:ext cx="1643075" cy="857256"/>
+          </a:xfrm>
+          <a:prstGeom prst="rect">
+            <a:avLst/>
+          </a:prstGeom>
+          <a:noFill/>
+          <a:ln>
+            <a:noFill/>
+          </a:ln>
+          <a:effectLst/>
+          <a:extLst>
+            <a:ext uri="{909E8E84-426E-40DD-AFC4-6F175D3DCCD1}">
+              <a14:hiddenFill xmlns:a14="http://schemas.microsoft.com/office/drawing/2010/main">
+                <a:solidFill>
+                  <a:schemeClr val="accent1"/>
+                </a:solidFill>
+              </a14:hiddenFill>
+            </a:ext>
+            <a:ext uri="{91240B29-F687-4F45-9708-019B960494DF}">
+              <a14:hiddenLine xmlns:a14="http://schemas.microsoft.com/office/drawing/2010/main" w="9525">
+                <a:solidFill>
+                  <a:schemeClr val="tx1"/>
+                </a:solidFill>
+                <a:miter lim="800000"/>
+                <a:headEnd/>
+                <a:tailEnd/>
+              </a14:hiddenLine>
+            </a:ext>
+            <a:ext uri="{AF507438-7753-43E0-B8FC-AC1667EBCBE1}">
+              <a14:hiddenEffects xmlns:a14="http://schemas.microsoft.com/office/drawing/2010/main">
+                <a:effectLst>
+                  <a:outerShdw dist="35921" dir="2700000" algn="ctr" rotWithShape="0">
+                    <a:schemeClr val="bg2"/>
+                  </a:outerShdw>
+                </a:effectLst>
+              </a14:hiddenEffects>
+            </a:ext>
+          </a:extLst>
+        </p:spPr>
+      </p:pic>
+      <p:pic>
+        <p:nvPicPr>
+          <p:cNvPr id="5" name="Picture 4">
+            <a:extLst>
+              <a:ext uri="{FF2B5EF4-FFF2-40B4-BE49-F238E27FC236}">
+                <a16:creationId xmlns:a16="http://schemas.microsoft.com/office/drawing/2014/main" id="{EA55C1A9-2421-46DB-B9FA-206BFC28A423}"/>
+              </a:ext>
+            </a:extLst>
+          </p:cNvPr>
+          <p:cNvPicPr>
+            <a:picLocks noChangeAspect="1" noChangeArrowheads="1"/>
+          </p:cNvPicPr>
+          <p:nvPr/>
+        </p:nvPicPr>
+        <p:blipFill>
+          <a:blip r:embed="rId3">
+            <a:extLst>
+              <a:ext uri="{28A0092B-C50C-407E-A947-70E740481C1C}">
+                <a14:useLocalDpi xmlns:a14="http://schemas.microsoft.com/office/drawing/2010/main" val="0"/>
+              </a:ext>
+            </a:extLst>
+          </a:blip>
+          <a:srcRect/>
+          <a:stretch>
+            <a:fillRect/>
+          </a:stretch>
+        </p:blipFill>
+        <p:spPr bwMode="auto">
+          <a:xfrm>
+            <a:off x="3952860" y="3929067"/>
+            <a:ext cx="571504" cy="1747803"/>
+          </a:xfrm>
+          <a:prstGeom prst="rect">
+            <a:avLst/>
+          </a:prstGeom>
+          <a:noFill/>
+          <a:ln>
+            <a:noFill/>
+          </a:ln>
+          <a:effectLst/>
+          <a:extLst>
+            <a:ext uri="{909E8E84-426E-40DD-AFC4-6F175D3DCCD1}">
+              <a14:hiddenFill xmlns:a14="http://schemas.microsoft.com/office/drawing/2010/main">
+                <a:solidFill>
+                  <a:schemeClr val="accent1"/>
+                </a:solidFill>
+              </a14:hiddenFill>
+            </a:ext>
+            <a:ext uri="{91240B29-F687-4F45-9708-019B960494DF}">
+              <a14:hiddenLine xmlns:a14="http://schemas.microsoft.com/office/drawing/2010/main" w="9525">
+                <a:solidFill>
+                  <a:schemeClr val="tx1"/>
+                </a:solidFill>
+                <a:miter lim="800000"/>
+                <a:headEnd/>
+                <a:tailEnd/>
+              </a14:hiddenLine>
+            </a:ext>
+            <a:ext uri="{AF507438-7753-43E0-B8FC-AC1667EBCBE1}">
+              <a14:hiddenEffects xmlns:a14="http://schemas.microsoft.com/office/drawing/2010/main">
+                <a:effectLst>
+                  <a:outerShdw dist="35921" dir="2700000" algn="ctr" rotWithShape="0">
+                    <a:schemeClr val="bg2"/>
+                  </a:outerShdw>
+                </a:effectLst>
+              </a14:hiddenEffects>
+            </a:ext>
+          </a:extLst>
+        </p:spPr>
+      </p:pic>
       <p:pic>
         <p:nvPicPr>
           <p:cNvPr id="2057" name="Picture 9"/>
@@ -5370,7 +5312,7 @@
           <p:nvPr/>
         </p:nvPicPr>
         <p:blipFill>
-          <a:blip r:embed="rId7" cstate="print"/>
+          <a:blip r:embed="rId4" cstate="print"/>
           <a:srcRect/>
           <a:stretch>
             <a:fillRect/>
@@ -5403,7 +5345,7 @@
           <p:nvPr/>
         </p:nvPicPr>
         <p:blipFill>
-          <a:blip r:embed="rId8" cstate="print"/>
+          <a:blip r:embed="rId5" cstate="print"/>
           <a:srcRect/>
           <a:stretch>
             <a:fillRect/>
@@ -5436,7 +5378,7 @@
           <p:nvPr/>
         </p:nvPicPr>
         <p:blipFill>
-          <a:blip r:embed="rId9" cstate="print"/>
+          <a:blip r:embed="rId6" cstate="print"/>
           <a:srcRect/>
           <a:stretch>
             <a:fillRect/>
